--- a/1_Linux/Linux_Intro.pptx
+++ b/1_Linux/Linux_Intro.pptx
@@ -5743,7 +5743,7 @@
           <a:p>
             <a:r>
               <a:rPr lang="nl-NL" dirty="0"/>
-              <a:t>Oefenen</a:t>
+              <a:t>Oefenen, oefenen en nog eens oefenen!</a:t>
             </a:r>
           </a:p>
         </p:txBody>
@@ -5766,7 +5766,9 @@
         </p:nvSpPr>
         <p:spPr/>
         <p:txBody>
-          <a:bodyPr/>
+          <a:bodyPr>
+            <a:normAutofit/>
+          </a:bodyPr>
           <a:lstStyle/>
           <a:p>
             <a:r>
@@ -5814,43 +5816,33 @@
           <a:p>
             <a:r>
               <a:rPr lang="en-US" dirty="0" err="1"/>
-              <a:t>Voor</a:t>
+              <a:t>Netacad</a:t>
             </a:r>
             <a:r>
               <a:rPr lang="en-US" dirty="0"/>
-              <a:t> die </a:t>
-            </a:r>
+              <a:t> cursus: </a:t>
+            </a:r>
+            <a:r>
+              <a:rPr lang="nl-BE" dirty="0"/>
+              <a:t>Linux </a:t>
+            </a:r>
+            <a:r>
+              <a:rPr lang="nl-BE" dirty="0" err="1"/>
+              <a:t>Unhatched</a:t>
+            </a:r>
+            <a:endParaRPr lang="en-US" dirty="0"/>
+          </a:p>
+          <a:p>
+            <a:endParaRPr lang="en-US" dirty="0"/>
+          </a:p>
+          <a:p>
             <a:r>
               <a:rPr lang="en-US" dirty="0" err="1"/>
-              <a:t>zich</a:t>
+              <a:t>Raak</a:t>
             </a:r>
             <a:r>
               <a:rPr lang="en-US" dirty="0"/>
-              <a:t> </a:t>
-            </a:r>
-            <a:r>
-              <a:rPr lang="en-US" dirty="0" err="1"/>
-              <a:t>niet</a:t>
-            </a:r>
-            <a:r>
-              <a:rPr lang="en-US" dirty="0"/>
-              <a:t> </a:t>
-            </a:r>
-            <a:r>
-              <a:rPr lang="en-US" dirty="0" err="1"/>
-              <a:t>kunnen</a:t>
-            </a:r>
-            <a:r>
-              <a:rPr lang="en-US" dirty="0"/>
-              <a:t> </a:t>
-            </a:r>
-            <a:r>
-              <a:rPr lang="en-US" dirty="0" err="1"/>
-              <a:t>houden</a:t>
-            </a:r>
-            <a:r>
-              <a:rPr lang="en-US" dirty="0"/>
-              <a:t> …</a:t>
+              <a:t> tot level 6</a:t>
             </a:r>
           </a:p>
           <a:p>

--- a/1_Linux/Linux_Intro.pptx
+++ b/1_Linux/Linux_Intro.pptx
@@ -238,7 +238,7 @@
           <a:p>
             <a:fld id="{02457F07-476F-5845-8EFD-D122FD79C173}" type="datetimeFigureOut">
               <a:rPr lang="en-GB" smtClean="0"/>
-              <a:t>08/01/2021</a:t>
+              <a:t>10/02/2021</a:t>
             </a:fld>
             <a:endParaRPr lang="en-GB"/>
           </a:p>
@@ -636,7 +636,7 @@
           <a:p>
             <a:fld id="{A4462F02-4F72-F745-977B-99288DE158E8}" type="datetimeFigureOut">
               <a:rPr lang="en-US" smtClean="0"/>
-              <a:t>1/8/2021</a:t>
+              <a:t>2/10/2021</a:t>
             </a:fld>
             <a:endParaRPr lang="en-US"/>
           </a:p>
@@ -806,7 +806,7 @@
           <a:p>
             <a:fld id="{A4462F02-4F72-F745-977B-99288DE158E8}" type="datetimeFigureOut">
               <a:rPr lang="en-US" smtClean="0"/>
-              <a:t>1/8/2021</a:t>
+              <a:t>2/10/2021</a:t>
             </a:fld>
             <a:endParaRPr lang="en-US"/>
           </a:p>
@@ -986,7 +986,7 @@
           <a:p>
             <a:fld id="{A4462F02-4F72-F745-977B-99288DE158E8}" type="datetimeFigureOut">
               <a:rPr lang="en-US" smtClean="0"/>
-              <a:t>1/8/2021</a:t>
+              <a:t>2/10/2021</a:t>
             </a:fld>
             <a:endParaRPr lang="en-US"/>
           </a:p>
@@ -1156,7 +1156,7 @@
           <a:p>
             <a:fld id="{A4462F02-4F72-F745-977B-99288DE158E8}" type="datetimeFigureOut">
               <a:rPr lang="en-US" smtClean="0"/>
-              <a:t>1/8/2021</a:t>
+              <a:t>2/10/2021</a:t>
             </a:fld>
             <a:endParaRPr lang="en-US"/>
           </a:p>
@@ -1402,7 +1402,7 @@
           <a:p>
             <a:fld id="{A4462F02-4F72-F745-977B-99288DE158E8}" type="datetimeFigureOut">
               <a:rPr lang="en-US" smtClean="0"/>
-              <a:t>1/8/2021</a:t>
+              <a:t>2/10/2021</a:t>
             </a:fld>
             <a:endParaRPr lang="en-US"/>
           </a:p>
@@ -1634,7 +1634,7 @@
           <a:p>
             <a:fld id="{A4462F02-4F72-F745-977B-99288DE158E8}" type="datetimeFigureOut">
               <a:rPr lang="en-US" smtClean="0"/>
-              <a:t>1/8/2021</a:t>
+              <a:t>2/10/2021</a:t>
             </a:fld>
             <a:endParaRPr lang="en-US"/>
           </a:p>
@@ -2001,7 +2001,7 @@
           <a:p>
             <a:fld id="{A4462F02-4F72-F745-977B-99288DE158E8}" type="datetimeFigureOut">
               <a:rPr lang="en-US" smtClean="0"/>
-              <a:t>1/8/2021</a:t>
+              <a:t>2/10/2021</a:t>
             </a:fld>
             <a:endParaRPr lang="en-US"/>
           </a:p>
@@ -2119,7 +2119,7 @@
           <a:p>
             <a:fld id="{A4462F02-4F72-F745-977B-99288DE158E8}" type="datetimeFigureOut">
               <a:rPr lang="en-US" smtClean="0"/>
-              <a:t>1/8/2021</a:t>
+              <a:t>2/10/2021</a:t>
             </a:fld>
             <a:endParaRPr lang="en-US"/>
           </a:p>
@@ -2214,7 +2214,7 @@
           <a:p>
             <a:fld id="{A4462F02-4F72-F745-977B-99288DE158E8}" type="datetimeFigureOut">
               <a:rPr lang="en-US" smtClean="0"/>
-              <a:t>1/8/2021</a:t>
+              <a:t>2/10/2021</a:t>
             </a:fld>
             <a:endParaRPr lang="en-US"/>
           </a:p>
@@ -2491,7 +2491,7 @@
           <a:p>
             <a:fld id="{A4462F02-4F72-F745-977B-99288DE158E8}" type="datetimeFigureOut">
               <a:rPr lang="en-US" smtClean="0"/>
-              <a:t>1/8/2021</a:t>
+              <a:t>2/10/2021</a:t>
             </a:fld>
             <a:endParaRPr lang="en-US"/>
           </a:p>
@@ -2748,7 +2748,7 @@
           <a:p>
             <a:fld id="{A4462F02-4F72-F745-977B-99288DE158E8}" type="datetimeFigureOut">
               <a:rPr lang="en-US" smtClean="0"/>
-              <a:t>1/8/2021</a:t>
+              <a:t>2/10/2021</a:t>
             </a:fld>
             <a:endParaRPr lang="en-US"/>
           </a:p>
@@ -2961,7 +2961,7 @@
           <a:p>
             <a:fld id="{A4462F02-4F72-F745-977B-99288DE158E8}" type="datetimeFigureOut">
               <a:rPr lang="en-US" smtClean="0"/>
-              <a:t>1/8/2021</a:t>
+              <a:t>2/10/2021</a:t>
             </a:fld>
             <a:endParaRPr lang="en-US"/>
           </a:p>
@@ -5153,15 +5153,15 @@
           <a:p>
             <a:r>
               <a:rPr lang="en-GB" dirty="0"/>
-              <a:t>Hoe “</a:t>
-            </a:r>
-            <a:r>
-              <a:rPr lang="en-GB" dirty="0" err="1"/>
-              <a:t>wordt</a:t>
+              <a:t>Hoe </a:t>
+            </a:r>
+            <a:r>
+              <a:rPr lang="en-GB"/>
+              <a:t>“word” </a:t>
             </a:r>
             <a:r>
               <a:rPr lang="en-GB" dirty="0"/>
-              <a:t>” je </a:t>
+              <a:t>je </a:t>
             </a:r>
             <a:r>
               <a:rPr lang="en-GB" dirty="0" err="1"/>
@@ -6983,9 +6983,26 @@
               <a:rPr lang="nl-BE" sz="2000" dirty="0">
                 <a:hlinkClick r:id="rId2"/>
               </a:rPr>
-              <a:t>https://cdimage.debian.org/debian-cd/current/amd64/iso-cd/debian-10.1.0-amd64-netinst.iso</a:t>
+              <a:t>https://cdimage.debian.org/debian-cd/current/amd64/iso-cd</a:t>
             </a:r>
             <a:endParaRPr lang="nl-BE" sz="2000" dirty="0"/>
+          </a:p>
+          <a:p>
+            <a:pPr lvl="1"/>
+            <a:r>
+              <a:rPr lang="nl-BE" sz="2000" dirty="0"/>
+              <a:t>Haal de xxxx-</a:t>
+            </a:r>
+            <a:r>
+              <a:rPr lang="nl-BE" sz="2000" dirty="0">
+                <a:hlinkClick r:id="rId3"/>
+              </a:rPr>
+              <a:t>amd64-netinst.iso</a:t>
+            </a:r>
+            <a:r>
+              <a:rPr lang="nl-BE" sz="2000" dirty="0"/>
+              <a:t> af</a:t>
+            </a:r>
           </a:p>
           <a:p>
             <a:endParaRPr lang="nl-BE" dirty="0">
@@ -7771,7 +7788,7 @@
             </a:r>
             <a:r>
               <a:rPr lang="nl-NL" dirty="0"/>
-              <a:t>:/home/user&gt;</a:t>
+              <a:t>:/home/user$</a:t>
             </a:r>
           </a:p>
           <a:p>
